--- a/presentation.pptx
+++ b/presentation.pptx
@@ -510,7 +510,7 @@
           <a:bodyPr/>
           <a:lstStyle/>
           <a:p>
-            <a:endParaRPr lang="en-US"/>
+            <a:endParaRPr lang="en-US" dirty="0"/>
           </a:p>
         </p:txBody>
       </p:sp>

--- a/presentation.pptx
+++ b/presentation.pptx
@@ -114,6 +114,11 @@
       </a:defRPr>
     </a:lvl9pPr>
   </p:defaultTextStyle>
+  <p:extLst>
+    <p:ext uri="{EFAFB233-063F-42B5-8137-9DF3F51BA10A}">
+      <p15:sldGuideLst xmlns:p15="http://schemas.microsoft.com/office/powerpoint/2012/main"/>
+    </p:ext>
+  </p:extLst>
 </p:presentation>
 </file>
 
@@ -199,7 +204,7 @@
           <a:p>
             <a:fld id="{7AC0C848-7F7C-4D8B-8683-20F52D1AEEEC}" type="datetimeFigureOut">
               <a:rPr lang="en-US" smtClean="0"/>
-              <a:t>9/18/2023</a:t>
+              <a:t>9/25/2023</a:t>
             </a:fld>
             <a:endParaRPr lang="en-US"/>
           </a:p>
@@ -721,7 +726,7 @@
           <a:p>
             <a:fld id="{5BF5D417-0573-4C77-9333-BFDD7165D004}" type="datetimeFigureOut">
               <a:rPr lang="en-US" smtClean="0"/>
-              <a:t>9/18/2023</a:t>
+              <a:t>9/25/2023</a:t>
             </a:fld>
             <a:endParaRPr lang="en-US"/>
           </a:p>
@@ -1033,7 +1038,7 @@
           <a:p>
             <a:fld id="{5BF5D417-0573-4C77-9333-BFDD7165D004}" type="datetimeFigureOut">
               <a:rPr lang="en-US" smtClean="0"/>
-              <a:t>9/18/2023</a:t>
+              <a:t>9/25/2023</a:t>
             </a:fld>
             <a:endParaRPr lang="en-US"/>
           </a:p>
@@ -1255,7 +1260,7 @@
           <a:p>
             <a:fld id="{5BF5D417-0573-4C77-9333-BFDD7165D004}" type="datetimeFigureOut">
               <a:rPr lang="en-US" smtClean="0"/>
-              <a:t>9/18/2023</a:t>
+              <a:t>9/25/2023</a:t>
             </a:fld>
             <a:endParaRPr lang="en-US"/>
           </a:p>
@@ -1546,7 +1551,7 @@
           <a:p>
             <a:fld id="{5BF5D417-0573-4C77-9333-BFDD7165D004}" type="datetimeFigureOut">
               <a:rPr lang="en-US" smtClean="0"/>
-              <a:t>9/18/2023</a:t>
+              <a:t>9/25/2023</a:t>
             </a:fld>
             <a:endParaRPr lang="en-US"/>
           </a:p>
@@ -2000,7 +2005,7 @@
           <a:p>
             <a:fld id="{5BF5D417-0573-4C77-9333-BFDD7165D004}" type="datetimeFigureOut">
               <a:rPr lang="en-US" smtClean="0"/>
-              <a:t>9/18/2023</a:t>
+              <a:t>9/25/2023</a:t>
             </a:fld>
             <a:endParaRPr lang="en-US"/>
           </a:p>
@@ -2576,7 +2581,7 @@
           <a:p>
             <a:fld id="{5BF5D417-0573-4C77-9333-BFDD7165D004}" type="datetimeFigureOut">
               <a:rPr lang="en-US" smtClean="0"/>
-              <a:t>9/18/2023</a:t>
+              <a:t>9/25/2023</a:t>
             </a:fld>
             <a:endParaRPr lang="en-US"/>
           </a:p>
@@ -3428,7 +3433,7 @@
           <a:p>
             <a:fld id="{5BF5D417-0573-4C77-9333-BFDD7165D004}" type="datetimeFigureOut">
               <a:rPr lang="en-US" smtClean="0"/>
-              <a:t>9/18/2023</a:t>
+              <a:t>9/25/2023</a:t>
             </a:fld>
             <a:endParaRPr lang="en-US"/>
           </a:p>
@@ -3633,7 +3638,7 @@
           <a:p>
             <a:fld id="{5BF5D417-0573-4C77-9333-BFDD7165D004}" type="datetimeFigureOut">
               <a:rPr lang="en-US" smtClean="0"/>
-              <a:t>9/18/2023</a:t>
+              <a:t>9/25/2023</a:t>
             </a:fld>
             <a:endParaRPr lang="en-US"/>
           </a:p>
@@ -3847,7 +3852,7 @@
           <a:p>
             <a:fld id="{5BF5D417-0573-4C77-9333-BFDD7165D004}" type="datetimeFigureOut">
               <a:rPr lang="en-US" smtClean="0"/>
-              <a:t>9/18/2023</a:t>
+              <a:t>9/25/2023</a:t>
             </a:fld>
             <a:endParaRPr lang="en-US"/>
           </a:p>
@@ -4247,7 +4252,7 @@
           <a:p>
             <a:fld id="{5BF5D417-0573-4C77-9333-BFDD7165D004}" type="datetimeFigureOut">
               <a:rPr lang="en-US" smtClean="0"/>
-              <a:t>9/18/2023</a:t>
+              <a:t>9/25/2023</a:t>
             </a:fld>
             <a:endParaRPr lang="en-US"/>
           </a:p>
@@ -4464,7 +4469,7 @@
           <a:p>
             <a:fld id="{5BF5D417-0573-4C77-9333-BFDD7165D004}" type="datetimeFigureOut">
               <a:rPr lang="en-US" smtClean="0"/>
-              <a:t>9/18/2023</a:t>
+              <a:t>9/25/2023</a:t>
             </a:fld>
             <a:endParaRPr lang="en-US"/>
           </a:p>
@@ -4744,7 +4749,7 @@
           <a:p>
             <a:fld id="{5BF5D417-0573-4C77-9333-BFDD7165D004}" type="datetimeFigureOut">
               <a:rPr lang="en-US" smtClean="0"/>
-              <a:t>9/18/2023</a:t>
+              <a:t>9/25/2023</a:t>
             </a:fld>
             <a:endParaRPr lang="en-US"/>
           </a:p>
@@ -5011,7 +5016,7 @@
           <a:p>
             <a:fld id="{5BF5D417-0573-4C77-9333-BFDD7165D004}" type="datetimeFigureOut">
               <a:rPr lang="en-US" smtClean="0"/>
-              <a:t>9/18/2023</a:t>
+              <a:t>9/25/2023</a:t>
             </a:fld>
             <a:endParaRPr lang="en-US"/>
           </a:p>
@@ -5426,7 +5431,7 @@
           <a:p>
             <a:fld id="{5BF5D417-0573-4C77-9333-BFDD7165D004}" type="datetimeFigureOut">
               <a:rPr lang="en-US" smtClean="0"/>
-              <a:t>9/18/2023</a:t>
+              <a:t>9/25/2023</a:t>
             </a:fld>
             <a:endParaRPr lang="en-US"/>
           </a:p>
@@ -5574,7 +5579,7 @@
           <a:p>
             <a:fld id="{5BF5D417-0573-4C77-9333-BFDD7165D004}" type="datetimeFigureOut">
               <a:rPr lang="en-US" smtClean="0"/>
-              <a:t>9/18/2023</a:t>
+              <a:t>9/25/2023</a:t>
             </a:fld>
             <a:endParaRPr lang="en-US"/>
           </a:p>
@@ -5699,7 +5704,7 @@
           <a:p>
             <a:fld id="{5BF5D417-0573-4C77-9333-BFDD7165D004}" type="datetimeFigureOut">
               <a:rPr lang="en-US" smtClean="0"/>
-              <a:t>9/18/2023</a:t>
+              <a:t>9/25/2023</a:t>
             </a:fld>
             <a:endParaRPr lang="en-US"/>
           </a:p>
@@ -5978,7 +5983,7 @@
           <a:p>
             <a:fld id="{5BF5D417-0573-4C77-9333-BFDD7165D004}" type="datetimeFigureOut">
               <a:rPr lang="en-US" smtClean="0"/>
-              <a:t>9/18/2023</a:t>
+              <a:t>9/25/2023</a:t>
             </a:fld>
             <a:endParaRPr lang="en-US"/>
           </a:p>
@@ -6290,7 +6295,7 @@
           <a:p>
             <a:fld id="{5BF5D417-0573-4C77-9333-BFDD7165D004}" type="datetimeFigureOut">
               <a:rPr lang="en-US" smtClean="0"/>
-              <a:t>9/18/2023</a:t>
+              <a:t>9/25/2023</a:t>
             </a:fld>
             <a:endParaRPr lang="en-US"/>
           </a:p>
@@ -6543,7 +6548,7 @@
           <a:p>
             <a:fld id="{5BF5D417-0573-4C77-9333-BFDD7165D004}" type="datetimeFigureOut">
               <a:rPr lang="en-US" smtClean="0"/>
-              <a:t>9/18/2023</a:t>
+              <a:t>9/25/2023</a:t>
             </a:fld>
             <a:endParaRPr lang="en-US"/>
           </a:p>
@@ -7158,10 +7163,33 @@
           </a:xfrm>
         </p:spPr>
         <p:txBody>
-          <a:bodyPr/>
-          <a:lstStyle/>
-          <a:p>
-            <a:endParaRPr lang="en-US" dirty="0"/>
+          <a:bodyPr>
+            <a:normAutofit fontScale="85000" lnSpcReduction="10000"/>
+          </a:bodyPr>
+          <a:lstStyle/>
+          <a:p>
+            <a:r>
+              <a:rPr lang="en-US" dirty="0"/>
+              <a:t>began with a csv containing 119 columns</a:t>
+            </a:r>
+          </a:p>
+          <a:p>
+            <a:r>
+              <a:rPr lang="en-US" dirty="0"/>
+              <a:t>decided on the important columns, such as industry, chemical type, carcinogen status, amount dumped and more.</a:t>
+            </a:r>
+          </a:p>
+          <a:p>
+            <a:r>
+              <a:rPr lang="en-US" dirty="0"/>
+              <a:t>decided anything less than 1000 would not be included (chemicals)</a:t>
+            </a:r>
+          </a:p>
+          <a:p>
+            <a:r>
+              <a:rPr lang="en-US" dirty="0"/>
+              <a:t>Decided anything less than 500 would not be included (parent company)</a:t>
+            </a:r>
           </a:p>
         </p:txBody>
       </p:sp>
@@ -7224,7 +7252,25 @@
           <a:bodyPr/>
           <a:lstStyle/>
           <a:p>
-            <a:endParaRPr lang="en-US"/>
+            <a:r>
+              <a:rPr lang="en-US" dirty="0"/>
+              <a:t>After cleaning, we ended up with 19 columns of data</a:t>
+            </a:r>
+          </a:p>
+          <a:p>
+            <a:r>
+              <a:rPr lang="en-US" dirty="0"/>
+              <a:t>We separated the states into regions </a:t>
+            </a:r>
+          </a:p>
+          <a:p>
+            <a:r>
+              <a:rPr lang="en-US" dirty="0"/>
+              <a:t>Decided to separate the tribal land into its own csv</a:t>
+            </a:r>
+          </a:p>
+          <a:p>
+            <a:endParaRPr lang="en-US" dirty="0"/>
           </a:p>
         </p:txBody>
       </p:sp>
@@ -7316,7 +7362,48 @@
           <a:bodyPr/>
           <a:lstStyle/>
           <a:p>
+            <a:r>
+              <a:rPr lang="en-US" dirty="0"/>
+              <a:t>Began with one csv</a:t>
+            </a:r>
+          </a:p>
+          <a:p>
+            <a:r>
+              <a:rPr lang="en-US" dirty="0"/>
+              <a:t>Cleaned the data and broke it up into 4 more manageable csv files</a:t>
+            </a:r>
+          </a:p>
+          <a:p>
+            <a:pPr lvl="1"/>
+            <a:r>
+              <a:rPr lang="en-US" dirty="0"/>
+              <a:t>Tribes.csv</a:t>
+            </a:r>
+          </a:p>
+          <a:p>
+            <a:pPr lvl="1"/>
+            <a:r>
+              <a:rPr lang="en-US" dirty="0"/>
+              <a:t>Chemicals.csv</a:t>
+            </a:r>
+          </a:p>
+          <a:p>
+            <a:pPr lvl="1"/>
+            <a:r>
+              <a:rPr lang="en-US" dirty="0"/>
+              <a:t>Industry.csv</a:t>
+            </a:r>
+          </a:p>
+          <a:p>
+            <a:pPr lvl="1"/>
             <a:endParaRPr lang="en-US" dirty="0"/>
+          </a:p>
+          <a:p>
+            <a:pPr lvl="1"/>
+            <a:r>
+              <a:rPr lang="en-US" dirty="0"/>
+              <a:t>And finally, tri_data.csv</a:t>
+            </a:r>
           </a:p>
         </p:txBody>
       </p:sp>
@@ -7413,6 +7500,28 @@
           <a:bodyPr/>
           <a:lstStyle/>
           <a:p>
+            <a:r>
+              <a:rPr lang="en-US" dirty="0"/>
+              <a:t>Took the 4 csv files from the </a:t>
+            </a:r>
+            <a:r>
+              <a:rPr lang="en-US" dirty="0" err="1"/>
+              <a:t>jupyter</a:t>
+            </a:r>
+            <a:r>
+              <a:rPr lang="en-US" dirty="0"/>
+              <a:t> notebook to create the </a:t>
+            </a:r>
+            <a:r>
+              <a:rPr lang="en-US" dirty="0" err="1"/>
+              <a:t>sql</a:t>
+            </a:r>
+            <a:r>
+              <a:rPr lang="en-US" dirty="0"/>
+              <a:t> database</a:t>
+            </a:r>
+          </a:p>
+          <a:p>
             <a:endParaRPr lang="en-US" dirty="0"/>
           </a:p>
         </p:txBody>
@@ -7599,6 +7708,61 @@
           <a:bodyPr/>
           <a:lstStyle/>
           <a:p>
+            <a:r>
+              <a:rPr lang="en-US" dirty="0"/>
+              <a:t>The html/</a:t>
+            </a:r>
+            <a:r>
+              <a:rPr lang="en-US" dirty="0" err="1"/>
+              <a:t>css</a:t>
+            </a:r>
+            <a:r>
+              <a:rPr lang="en-US" dirty="0"/>
+              <a:t> laid out the dashboard</a:t>
+            </a:r>
+          </a:p>
+          <a:p>
+            <a:pPr lvl="1"/>
+            <a:r>
+              <a:rPr lang="en-US" dirty="0"/>
+              <a:t>Made sure to include a map and three interactive visuals</a:t>
+            </a:r>
+          </a:p>
+          <a:p>
+            <a:r>
+              <a:rPr lang="en-US" dirty="0"/>
+              <a:t>Included several options for an interactive map to display our findings</a:t>
+            </a:r>
+          </a:p>
+          <a:p>
+            <a:pPr lvl="1"/>
+            <a:r>
+              <a:rPr lang="en-US" dirty="0"/>
+              <a:t>Street map and dark mode options</a:t>
+            </a:r>
+          </a:p>
+          <a:p>
+            <a:pPr lvl="1"/>
+            <a:r>
+              <a:rPr lang="en-US" dirty="0"/>
+              <a:t>Drop down menus to give site-users several different options on what to view, including drop down menus also ensured the map was not too cluttered </a:t>
+            </a:r>
+          </a:p>
+          <a:p>
+            <a:pPr lvl="1"/>
+            <a:r>
+              <a:rPr lang="en-US" dirty="0"/>
+              <a:t>Provided the option to filter by carcinogens and federal facilities</a:t>
+            </a:r>
+          </a:p>
+          <a:p>
+            <a:r>
+              <a:rPr lang="en-US" dirty="0"/>
+              <a:t>Provided the option to view by region for charts</a:t>
+            </a:r>
+          </a:p>
+          <a:p>
+            <a:pPr lvl="1"/>
             <a:endParaRPr lang="en-US" dirty="0"/>
           </a:p>
         </p:txBody>
@@ -7687,6 +7851,40 @@
         <p:txBody>
           <a:bodyPr/>
           <a:lstStyle/>
+          <a:p>
+            <a:r>
+              <a:rPr lang="en-US" dirty="0"/>
+              <a:t>Utilized chart.js to create the bar chart and bubble chart. This satisfied the requirement of using a </a:t>
+            </a:r>
+            <a:r>
+              <a:rPr lang="en-US" dirty="0" err="1"/>
+              <a:t>javascript</a:t>
+            </a:r>
+            <a:r>
+              <a:rPr lang="en-US" dirty="0"/>
+              <a:t> library we had not yet used in class</a:t>
+            </a:r>
+          </a:p>
+          <a:p>
+            <a:r>
+              <a:rPr lang="en-US" dirty="0"/>
+              <a:t>Added region data into the </a:t>
+            </a:r>
+            <a:r>
+              <a:rPr lang="en-US" dirty="0" err="1"/>
+              <a:t>javascript</a:t>
+            </a:r>
+            <a:r>
+              <a:rPr lang="en-US" dirty="0"/>
+              <a:t> portion </a:t>
+            </a:r>
+          </a:p>
+          <a:p>
+            <a:r>
+              <a:rPr lang="en-US" dirty="0"/>
+              <a:t>Utilized leaflet to create the main map visual</a:t>
+            </a:r>
+          </a:p>
           <a:p>
             <a:endParaRPr lang="en-US" dirty="0"/>
           </a:p>

--- a/presentation.pptx
+++ b/presentation.pptx
@@ -5,7 +5,7 @@
     <p:sldMasterId id="2147483660" r:id="rId1"/>
   </p:sldMasterIdLst>
   <p:notesMasterIdLst>
-    <p:notesMasterId r:id="rId10"/>
+    <p:notesMasterId r:id="rId11"/>
   </p:notesMasterIdLst>
   <p:sldIdLst>
     <p:sldId id="256" r:id="rId2"/>
@@ -16,6 +16,7 @@
     <p:sldId id="266" r:id="rId7"/>
     <p:sldId id="267" r:id="rId8"/>
     <p:sldId id="268" r:id="rId9"/>
+    <p:sldId id="269" r:id="rId10"/>
   </p:sldIdLst>
   <p:sldSz cx="12192000" cy="6858000"/>
   <p:notesSz cx="6858000" cy="9144000"/>
@@ -114,6 +115,11 @@
       </a:defRPr>
     </a:lvl9pPr>
   </p:defaultTextStyle>
+  <p:extLst>
+    <p:ext uri="{EFAFB233-063F-42B5-8137-9DF3F51BA10A}">
+      <p15:sldGuideLst xmlns:p15="http://schemas.microsoft.com/office/powerpoint/2012/main"/>
+    </p:ext>
+  </p:extLst>
 </p:presentation>
 </file>
 
@@ -199,7 +205,7 @@
           <a:p>
             <a:fld id="{7AC0C848-7F7C-4D8B-8683-20F52D1AEEEC}" type="datetimeFigureOut">
               <a:rPr lang="en-US" smtClean="0"/>
-              <a:t>9/18/2023</a:t>
+              <a:t>9/26/2023</a:t>
             </a:fld>
             <a:endParaRPr lang="en-US"/>
           </a:p>
@@ -721,7 +727,7 @@
           <a:p>
             <a:fld id="{5BF5D417-0573-4C77-9333-BFDD7165D004}" type="datetimeFigureOut">
               <a:rPr lang="en-US" smtClean="0"/>
-              <a:t>9/18/2023</a:t>
+              <a:t>9/26/2023</a:t>
             </a:fld>
             <a:endParaRPr lang="en-US"/>
           </a:p>
@@ -1033,7 +1039,7 @@
           <a:p>
             <a:fld id="{5BF5D417-0573-4C77-9333-BFDD7165D004}" type="datetimeFigureOut">
               <a:rPr lang="en-US" smtClean="0"/>
-              <a:t>9/18/2023</a:t>
+              <a:t>9/26/2023</a:t>
             </a:fld>
             <a:endParaRPr lang="en-US"/>
           </a:p>
@@ -1255,7 +1261,7 @@
           <a:p>
             <a:fld id="{5BF5D417-0573-4C77-9333-BFDD7165D004}" type="datetimeFigureOut">
               <a:rPr lang="en-US" smtClean="0"/>
-              <a:t>9/18/2023</a:t>
+              <a:t>9/26/2023</a:t>
             </a:fld>
             <a:endParaRPr lang="en-US"/>
           </a:p>
@@ -1546,7 +1552,7 @@
           <a:p>
             <a:fld id="{5BF5D417-0573-4C77-9333-BFDD7165D004}" type="datetimeFigureOut">
               <a:rPr lang="en-US" smtClean="0"/>
-              <a:t>9/18/2023</a:t>
+              <a:t>9/26/2023</a:t>
             </a:fld>
             <a:endParaRPr lang="en-US"/>
           </a:p>
@@ -2000,7 +2006,7 @@
           <a:p>
             <a:fld id="{5BF5D417-0573-4C77-9333-BFDD7165D004}" type="datetimeFigureOut">
               <a:rPr lang="en-US" smtClean="0"/>
-              <a:t>9/18/2023</a:t>
+              <a:t>9/26/2023</a:t>
             </a:fld>
             <a:endParaRPr lang="en-US"/>
           </a:p>
@@ -2576,7 +2582,7 @@
           <a:p>
             <a:fld id="{5BF5D417-0573-4C77-9333-BFDD7165D004}" type="datetimeFigureOut">
               <a:rPr lang="en-US" smtClean="0"/>
-              <a:t>9/18/2023</a:t>
+              <a:t>9/26/2023</a:t>
             </a:fld>
             <a:endParaRPr lang="en-US"/>
           </a:p>
@@ -3428,7 +3434,7 @@
           <a:p>
             <a:fld id="{5BF5D417-0573-4C77-9333-BFDD7165D004}" type="datetimeFigureOut">
               <a:rPr lang="en-US" smtClean="0"/>
-              <a:t>9/18/2023</a:t>
+              <a:t>9/26/2023</a:t>
             </a:fld>
             <a:endParaRPr lang="en-US"/>
           </a:p>
@@ -3633,7 +3639,7 @@
           <a:p>
             <a:fld id="{5BF5D417-0573-4C77-9333-BFDD7165D004}" type="datetimeFigureOut">
               <a:rPr lang="en-US" smtClean="0"/>
-              <a:t>9/18/2023</a:t>
+              <a:t>9/26/2023</a:t>
             </a:fld>
             <a:endParaRPr lang="en-US"/>
           </a:p>
@@ -3847,7 +3853,7 @@
           <a:p>
             <a:fld id="{5BF5D417-0573-4C77-9333-BFDD7165D004}" type="datetimeFigureOut">
               <a:rPr lang="en-US" smtClean="0"/>
-              <a:t>9/18/2023</a:t>
+              <a:t>9/26/2023</a:t>
             </a:fld>
             <a:endParaRPr lang="en-US"/>
           </a:p>
@@ -4247,7 +4253,7 @@
           <a:p>
             <a:fld id="{5BF5D417-0573-4C77-9333-BFDD7165D004}" type="datetimeFigureOut">
               <a:rPr lang="en-US" smtClean="0"/>
-              <a:t>9/18/2023</a:t>
+              <a:t>9/26/2023</a:t>
             </a:fld>
             <a:endParaRPr lang="en-US"/>
           </a:p>
@@ -4464,7 +4470,7 @@
           <a:p>
             <a:fld id="{5BF5D417-0573-4C77-9333-BFDD7165D004}" type="datetimeFigureOut">
               <a:rPr lang="en-US" smtClean="0"/>
-              <a:t>9/18/2023</a:t>
+              <a:t>9/26/2023</a:t>
             </a:fld>
             <a:endParaRPr lang="en-US"/>
           </a:p>
@@ -4744,7 +4750,7 @@
           <a:p>
             <a:fld id="{5BF5D417-0573-4C77-9333-BFDD7165D004}" type="datetimeFigureOut">
               <a:rPr lang="en-US" smtClean="0"/>
-              <a:t>9/18/2023</a:t>
+              <a:t>9/26/2023</a:t>
             </a:fld>
             <a:endParaRPr lang="en-US"/>
           </a:p>
@@ -5011,7 +5017,7 @@
           <a:p>
             <a:fld id="{5BF5D417-0573-4C77-9333-BFDD7165D004}" type="datetimeFigureOut">
               <a:rPr lang="en-US" smtClean="0"/>
-              <a:t>9/18/2023</a:t>
+              <a:t>9/26/2023</a:t>
             </a:fld>
             <a:endParaRPr lang="en-US"/>
           </a:p>
@@ -5426,7 +5432,7 @@
           <a:p>
             <a:fld id="{5BF5D417-0573-4C77-9333-BFDD7165D004}" type="datetimeFigureOut">
               <a:rPr lang="en-US" smtClean="0"/>
-              <a:t>9/18/2023</a:t>
+              <a:t>9/26/2023</a:t>
             </a:fld>
             <a:endParaRPr lang="en-US"/>
           </a:p>
@@ -5574,7 +5580,7 @@
           <a:p>
             <a:fld id="{5BF5D417-0573-4C77-9333-BFDD7165D004}" type="datetimeFigureOut">
               <a:rPr lang="en-US" smtClean="0"/>
-              <a:t>9/18/2023</a:t>
+              <a:t>9/26/2023</a:t>
             </a:fld>
             <a:endParaRPr lang="en-US"/>
           </a:p>
@@ -5699,7 +5705,7 @@
           <a:p>
             <a:fld id="{5BF5D417-0573-4C77-9333-BFDD7165D004}" type="datetimeFigureOut">
               <a:rPr lang="en-US" smtClean="0"/>
-              <a:t>9/18/2023</a:t>
+              <a:t>9/26/2023</a:t>
             </a:fld>
             <a:endParaRPr lang="en-US"/>
           </a:p>
@@ -5978,7 +5984,7 @@
           <a:p>
             <a:fld id="{5BF5D417-0573-4C77-9333-BFDD7165D004}" type="datetimeFigureOut">
               <a:rPr lang="en-US" smtClean="0"/>
-              <a:t>9/18/2023</a:t>
+              <a:t>9/26/2023</a:t>
             </a:fld>
             <a:endParaRPr lang="en-US"/>
           </a:p>
@@ -6290,7 +6296,7 @@
           <a:p>
             <a:fld id="{5BF5D417-0573-4C77-9333-BFDD7165D004}" type="datetimeFigureOut">
               <a:rPr lang="en-US" smtClean="0"/>
-              <a:t>9/18/2023</a:t>
+              <a:t>9/26/2023</a:t>
             </a:fld>
             <a:endParaRPr lang="en-US"/>
           </a:p>
@@ -6543,7 +6549,7 @@
           <a:p>
             <a:fld id="{5BF5D417-0573-4C77-9333-BFDD7165D004}" type="datetimeFigureOut">
               <a:rPr lang="en-US" smtClean="0"/>
-              <a:t>9/18/2023</a:t>
+              <a:t>9/26/2023</a:t>
             </a:fld>
             <a:endParaRPr lang="en-US"/>
           </a:p>
@@ -7153,15 +7159,49 @@
         </p:nvSpPr>
         <p:spPr>
           <a:xfrm>
-            <a:off x="913774" y="2804124"/>
-            <a:ext cx="5106027" cy="2987075"/>
-          </a:xfrm>
-        </p:spPr>
-        <p:txBody>
-          <a:bodyPr/>
-          <a:lstStyle/>
-          <a:p>
+            <a:off x="913775" y="2804124"/>
+            <a:ext cx="4076262" cy="2987075"/>
+          </a:xfrm>
+        </p:spPr>
+        <p:txBody>
+          <a:bodyPr>
+            <a:normAutofit fontScale="85000" lnSpcReduction="20000"/>
+          </a:bodyPr>
+          <a:lstStyle/>
+          <a:p>
+            <a:r>
+              <a:rPr lang="en-US" dirty="0"/>
+              <a:t>original .csv containing 119 columns from EPA.GOV</a:t>
+            </a:r>
+          </a:p>
+          <a:p>
+            <a:r>
+              <a:rPr lang="en-US" dirty="0"/>
+              <a:t>Decided on the important columns, such as industry, chemical name, carcinogen status, volume released, </a:t>
+            </a:r>
+            <a:r>
+              <a:rPr lang="en-US" dirty="0" err="1"/>
+              <a:t>etc</a:t>
+            </a:r>
             <a:endParaRPr lang="en-US" dirty="0"/>
+          </a:p>
+          <a:p>
+            <a:r>
+              <a:rPr lang="en-US" dirty="0"/>
+              <a:t>Total records count: 76,659</a:t>
+            </a:r>
+          </a:p>
+          <a:p>
+            <a:r>
+              <a:rPr lang="en-US" dirty="0"/>
+              <a:t>Total chemical count: 544</a:t>
+            </a:r>
+          </a:p>
+          <a:p>
+            <a:r>
+              <a:rPr lang="en-US" dirty="0"/>
+              <a:t>Total Industry Count: 29</a:t>
+            </a:r>
           </a:p>
         </p:txBody>
       </p:sp>
@@ -7183,8 +7223,8 @@
         </p:nvSpPr>
         <p:spPr>
           <a:xfrm>
-            <a:off x="6395797" y="2124130"/>
-            <a:ext cx="4881804" cy="679994"/>
+            <a:off x="6548821" y="2124130"/>
+            <a:ext cx="4728780" cy="679994"/>
           </a:xfrm>
         </p:spPr>
         <p:txBody>
@@ -7216,15 +7256,170 @@
         </p:nvSpPr>
         <p:spPr>
           <a:xfrm>
-            <a:off x="6172200" y="2804124"/>
-            <a:ext cx="5105401" cy="2987075"/>
-          </a:xfrm>
-        </p:spPr>
-        <p:txBody>
-          <a:bodyPr/>
-          <a:lstStyle/>
-          <a:p>
-            <a:endParaRPr lang="en-US"/>
+            <a:off x="6548821" y="2804124"/>
+            <a:ext cx="4728779" cy="2987075"/>
+          </a:xfrm>
+        </p:spPr>
+        <p:txBody>
+          <a:bodyPr>
+            <a:normAutofit fontScale="92500" lnSpcReduction="20000"/>
+          </a:bodyPr>
+          <a:lstStyle/>
+          <a:p>
+            <a:r>
+              <a:rPr lang="en-US" dirty="0"/>
+              <a:t>Narrowed to 19 columns of data</a:t>
+            </a:r>
+          </a:p>
+          <a:p>
+            <a:r>
+              <a:rPr lang="en-US" dirty="0"/>
+              <a:t>Limited data to chemicals with &gt; 1000 instances (24 chemicals)</a:t>
+            </a:r>
+          </a:p>
+          <a:p>
+            <a:r>
+              <a:rPr lang="en-US" dirty="0"/>
+              <a:t>Limited data to industries with &gt; 500 instances (17 industries)</a:t>
+            </a:r>
+          </a:p>
+          <a:p>
+            <a:r>
+              <a:rPr lang="en-US" dirty="0"/>
+              <a:t>Separated states into regions for breakdown specifying tribal sites</a:t>
+            </a:r>
+          </a:p>
+          <a:p>
+            <a:r>
+              <a:rPr lang="en-US" dirty="0"/>
+              <a:t>Filtered Records count: 41,901</a:t>
+            </a:r>
+          </a:p>
+        </p:txBody>
+      </p:sp>
+      <p:sp>
+        <p:nvSpPr>
+          <p:cNvPr id="3" name="TextBox 2">
+            <a:extLst>
+              <a:ext uri="{FF2B5EF4-FFF2-40B4-BE49-F238E27FC236}">
+                <a16:creationId xmlns:a16="http://schemas.microsoft.com/office/drawing/2014/main" id="{E5253BCF-A802-23AA-BAEA-4B5C5A7D4474}"/>
+              </a:ext>
+            </a:extLst>
+          </p:cNvPr>
+          <p:cNvSpPr txBox="1"/>
+          <p:nvPr/>
+        </p:nvSpPr>
+        <p:spPr>
+          <a:xfrm>
+            <a:off x="194693" y="5947095"/>
+            <a:ext cx="11904779" cy="584775"/>
+          </a:xfrm>
+          <a:prstGeom prst="rect">
+            <a:avLst/>
+          </a:prstGeom>
+          <a:noFill/>
+        </p:spPr>
+        <p:txBody>
+          <a:bodyPr wrap="square" rtlCol="0">
+            <a:spAutoFit/>
+          </a:bodyPr>
+          <a:lstStyle/>
+          <a:p>
+            <a:r>
+              <a:rPr lang="en-US" sz="1600" b="0" dirty="0">
+                <a:solidFill>
+                  <a:schemeClr val="bg2">
+                    <a:lumMod val="75000"/>
+                  </a:schemeClr>
+                </a:solidFill>
+                <a:effectLst/>
+                <a:latin typeface="Consolas" panose="020B0609020204030204" pitchFamily="49" charset="0"/>
+                <a:hlinkClick r:id="rId2">
+                  <a:extLst>
+                    <a:ext uri="{A12FA001-AC4F-418D-AE19-62706E023703}">
+                      <ahyp:hlinkClr xmlns:ahyp="http://schemas.microsoft.com/office/drawing/2018/hyperlinkcolor" val="tx"/>
+                    </a:ext>
+                  </a:extLst>
+                </a:hlinkClick>
+              </a:rPr>
+              <a:t>https://www.epa.gov/toxics-release-inventory-tri-program/tri-basic-data-files-calendar-years-1987-present</a:t>
+            </a:r>
+            <a:endParaRPr lang="en-US" sz="1600" b="0" dirty="0">
+              <a:solidFill>
+                <a:schemeClr val="bg2">
+                  <a:lumMod val="75000"/>
+                </a:schemeClr>
+              </a:solidFill>
+              <a:effectLst/>
+              <a:latin typeface="Consolas" panose="020B0609020204030204" pitchFamily="49" charset="0"/>
+            </a:endParaRPr>
+          </a:p>
+          <a:p>
+            <a:endParaRPr lang="en-US" sz="1600" dirty="0">
+              <a:solidFill>
+                <a:schemeClr val="bg2">
+                  <a:lumMod val="75000"/>
+                </a:schemeClr>
+              </a:solidFill>
+            </a:endParaRPr>
+          </a:p>
+        </p:txBody>
+      </p:sp>
+      <p:sp>
+        <p:nvSpPr>
+          <p:cNvPr id="4" name="Arrow: Chevron 3">
+            <a:extLst>
+              <a:ext uri="{FF2B5EF4-FFF2-40B4-BE49-F238E27FC236}">
+                <a16:creationId xmlns:a16="http://schemas.microsoft.com/office/drawing/2014/main" id="{E015EF05-C465-84EA-5175-F2A57E218A6A}"/>
+              </a:ext>
+            </a:extLst>
+          </p:cNvPr>
+          <p:cNvSpPr/>
+          <p:nvPr/>
+        </p:nvSpPr>
+        <p:spPr>
+          <a:xfrm>
+            <a:off x="5065643" y="2487226"/>
+            <a:ext cx="1081439" cy="3187336"/>
+          </a:xfrm>
+          <a:prstGeom prst="chevron">
+            <a:avLst>
+              <a:gd name="adj" fmla="val 53401"/>
+            </a:avLst>
+          </a:prstGeom>
+          <a:solidFill>
+            <a:schemeClr val="tx1">
+              <a:lumMod val="95000"/>
+              <a:lumOff val="5000"/>
+            </a:schemeClr>
+          </a:solidFill>
+        </p:spPr>
+        <p:style>
+          <a:lnRef idx="2">
+            <a:schemeClr val="accent1">
+              <a:shade val="15000"/>
+            </a:schemeClr>
+          </a:lnRef>
+          <a:fillRef idx="1">
+            <a:schemeClr val="accent1"/>
+          </a:fillRef>
+          <a:effectRef idx="0">
+            <a:schemeClr val="accent1"/>
+          </a:effectRef>
+          <a:fontRef idx="minor">
+            <a:schemeClr val="lt1"/>
+          </a:fontRef>
+        </p:style>
+        <p:txBody>
+          <a:bodyPr rtlCol="0" anchor="ctr"/>
+          <a:lstStyle/>
+          <a:p>
+            <a:pPr algn="ctr"/>
+            <a:endParaRPr lang="en-US">
+              <a:solidFill>
+                <a:schemeClr val="tx1"/>
+              </a:solidFill>
+            </a:endParaRPr>
           </a:p>
         </p:txBody>
       </p:sp>
@@ -7280,12 +7475,8 @@
           <a:lstStyle/>
           <a:p>
             <a:r>
-              <a:rPr lang="en-US" dirty="0" err="1"/>
-              <a:t>Jupyter</a:t>
-            </a:r>
-            <a:r>
               <a:rPr lang="en-US" dirty="0"/>
-              <a:t> Notebook</a:t>
+              <a:t>JUPYTER Notebook</a:t>
             </a:r>
           </a:p>
         </p:txBody>
@@ -7313,13 +7504,101 @@
           </a:xfrm>
         </p:spPr>
         <p:txBody>
-          <a:bodyPr/>
-          <a:lstStyle/>
-          <a:p>
+          <a:bodyPr>
+            <a:normAutofit fontScale="92500" lnSpcReduction="10000"/>
+          </a:bodyPr>
+          <a:lstStyle/>
+          <a:p>
+            <a:r>
+              <a:rPr lang="en-US" dirty="0"/>
+              <a:t>Began with one csv</a:t>
+            </a:r>
+          </a:p>
+          <a:p>
+            <a:r>
+              <a:rPr lang="en-US" dirty="0"/>
+              <a:t>Cleaned the data and broke it into 4 more manageable csv files</a:t>
+            </a:r>
+          </a:p>
+          <a:p>
+            <a:pPr lvl="1"/>
+            <a:r>
+              <a:rPr lang="en-US" dirty="0"/>
+              <a:t>tribes.csv – list of all document numbers associated with tribal land releases</a:t>
+            </a:r>
+          </a:p>
+          <a:p>
+            <a:pPr lvl="1"/>
+            <a:r>
+              <a:rPr lang="en-US" dirty="0"/>
+              <a:t>Chemicals.csv – list of unique chemicals and their associated SRS-ids</a:t>
+            </a:r>
+          </a:p>
+          <a:p>
+            <a:pPr lvl="1"/>
+            <a:r>
+              <a:rPr lang="en-US" dirty="0"/>
+              <a:t>Industry.csv – list of unique industries and their associated sector codes</a:t>
+            </a:r>
+          </a:p>
+          <a:p>
+            <a:pPr lvl="1"/>
+            <a:r>
+              <a:rPr lang="en-US" dirty="0"/>
+              <a:t>Tri_data.csv – master list of all toxic release records remaining after filtering</a:t>
+            </a:r>
+          </a:p>
+          <a:p>
+            <a:pPr lvl="1"/>
             <a:endParaRPr lang="en-US" dirty="0"/>
           </a:p>
-        </p:txBody>
-      </p:sp>
+          <a:p>
+            <a:pPr marL="457200" lvl="1" indent="0">
+              <a:buNone/>
+            </a:pPr>
+            <a:endParaRPr lang="en-US" dirty="0"/>
+          </a:p>
+          <a:p>
+            <a:pPr marL="457200" lvl="1" indent="0">
+              <a:buNone/>
+            </a:pPr>
+            <a:r>
+              <a:rPr lang="en-US" dirty="0"/>
+              <a:t>s</a:t>
+            </a:r>
+          </a:p>
+        </p:txBody>
+      </p:sp>
+      <p:pic>
+        <p:nvPicPr>
+          <p:cNvPr id="4" name="Picture 3">
+            <a:extLst>
+              <a:ext uri="{FF2B5EF4-FFF2-40B4-BE49-F238E27FC236}">
+                <a16:creationId xmlns:a16="http://schemas.microsoft.com/office/drawing/2014/main" id="{BC8FE6AC-BAB9-838E-4FD9-0ED44F798FB5}"/>
+              </a:ext>
+            </a:extLst>
+          </p:cNvPr>
+          <p:cNvPicPr>
+            <a:picLocks noChangeAspect="1"/>
+          </p:cNvPicPr>
+          <p:nvPr/>
+        </p:nvPicPr>
+        <p:blipFill>
+          <a:blip r:embed="rId2"/>
+          <a:stretch>
+            <a:fillRect/>
+          </a:stretch>
+        </p:blipFill>
+        <p:spPr>
+          <a:xfrm>
+            <a:off x="483313" y="4841286"/>
+            <a:ext cx="11068619" cy="1708238"/>
+          </a:xfrm>
+          <a:prstGeom prst="rect">
+            <a:avLst/>
+          </a:prstGeom>
+        </p:spPr>
+      </p:pic>
     </p:spTree>
     <p:extLst>
       <p:ext uri="{BB962C8B-B14F-4D97-AF65-F5344CB8AC3E}">
@@ -7372,18 +7651,9 @@
           <a:lstStyle/>
           <a:p>
             <a:r>
-              <a:rPr lang="en-US" dirty="0" err="1"/>
-              <a:t>Sql</a:t>
-            </a:r>
-            <a:r>
               <a:rPr lang="en-US" dirty="0"/>
-              <a:t> </a:t>
-            </a:r>
-            <a:r>
-              <a:rPr lang="en-US" dirty="0" err="1"/>
-              <a:t>dATABASE</a:t>
-            </a:r>
-            <a:endParaRPr lang="en-US" dirty="0"/>
+              <a:t>SQL/SQLITE DATABASES</a:t>
+            </a:r>
           </a:p>
         </p:txBody>
       </p:sp>
@@ -7413,10 +7683,89 @@
           <a:bodyPr/>
           <a:lstStyle/>
           <a:p>
-            <a:endParaRPr lang="en-US" dirty="0"/>
-          </a:p>
-        </p:txBody>
-      </p:sp>
+            <a:r>
+              <a:rPr lang="en-US" dirty="0"/>
+              <a:t>Created table schema for 4 csv files and imported tables into SQL</a:t>
+            </a:r>
+          </a:p>
+          <a:p>
+            <a:r>
+              <a:rPr lang="en-US" dirty="0"/>
+              <a:t>Utilized ‘DB browser (SQLITE)’ to create database off SQL table schema and uploaded csv files into DB browser to save as SQLITE file</a:t>
+            </a:r>
+          </a:p>
+        </p:txBody>
+      </p:sp>
+      <p:pic>
+        <p:nvPicPr>
+          <p:cNvPr id="4" name="Picture 3">
+            <a:extLst>
+              <a:ext uri="{FF2B5EF4-FFF2-40B4-BE49-F238E27FC236}">
+                <a16:creationId xmlns:a16="http://schemas.microsoft.com/office/drawing/2014/main" id="{5D7D1E7C-DB4F-93AB-4164-4394BBA11D0A}"/>
+              </a:ext>
+            </a:extLst>
+          </p:cNvPr>
+          <p:cNvPicPr>
+            <a:picLocks noChangeAspect="1"/>
+          </p:cNvPicPr>
+          <p:nvPr/>
+        </p:nvPicPr>
+        <p:blipFill>
+          <a:blip r:embed="rId2"/>
+          <a:stretch>
+            <a:fillRect/>
+          </a:stretch>
+        </p:blipFill>
+        <p:spPr>
+          <a:xfrm>
+            <a:off x="7007116" y="4302034"/>
+            <a:ext cx="3114576" cy="865878"/>
+          </a:xfrm>
+          <a:prstGeom prst="rect">
+            <a:avLst/>
+          </a:prstGeom>
+          <a:ln w="19050">
+            <a:solidFill>
+              <a:schemeClr val="tx1"/>
+            </a:solidFill>
+          </a:ln>
+        </p:spPr>
+      </p:pic>
+      <p:pic>
+        <p:nvPicPr>
+          <p:cNvPr id="7" name="Picture 6">
+            <a:extLst>
+              <a:ext uri="{FF2B5EF4-FFF2-40B4-BE49-F238E27FC236}">
+                <a16:creationId xmlns:a16="http://schemas.microsoft.com/office/drawing/2014/main" id="{6A8AD070-8E34-4572-881E-C96058A8ACC6}"/>
+              </a:ext>
+            </a:extLst>
+          </p:cNvPr>
+          <p:cNvPicPr>
+            <a:picLocks noChangeAspect="1"/>
+          </p:cNvPicPr>
+          <p:nvPr/>
+        </p:nvPicPr>
+        <p:blipFill>
+          <a:blip r:embed="rId3"/>
+          <a:stretch>
+            <a:fillRect/>
+          </a:stretch>
+        </p:blipFill>
+        <p:spPr>
+          <a:xfrm>
+            <a:off x="1665509" y="5058369"/>
+            <a:ext cx="4035477" cy="1181114"/>
+          </a:xfrm>
+          <a:prstGeom prst="rect">
+            <a:avLst/>
+          </a:prstGeom>
+          <a:ln w="19050">
+            <a:solidFill>
+              <a:schemeClr val="tx1"/>
+            </a:solidFill>
+          </a:ln>
+        </p:spPr>
+      </p:pic>
     </p:spTree>
     <p:extLst>
       <p:ext uri="{BB962C8B-B14F-4D97-AF65-F5344CB8AC3E}">
@@ -7470,13 +7819,8 @@
           <a:p>
             <a:r>
               <a:rPr lang="en-US" dirty="0"/>
-              <a:t>Python flask-powered </a:t>
-            </a:r>
-            <a:r>
-              <a:rPr lang="en-US" dirty="0" err="1"/>
-              <a:t>api</a:t>
-            </a:r>
-            <a:endParaRPr lang="en-US" dirty="0"/>
+              <a:t>Python flask-powered API</a:t>
+            </a:r>
           </a:p>
         </p:txBody>
       </p:sp>
@@ -7496,20 +7840,57 @@
             <p:ph sz="quarter" idx="13"/>
           </p:nvPr>
         </p:nvSpPr>
-        <p:spPr>
-          <a:xfrm>
-            <a:off x="913774" y="2367092"/>
-            <a:ext cx="10363826" cy="3424107"/>
-          </a:xfrm>
-        </p:spPr>
-        <p:txBody>
-          <a:bodyPr/>
-          <a:lstStyle/>
-          <a:p>
-            <a:endParaRPr lang="en-US" dirty="0"/>
-          </a:p>
-        </p:txBody>
-      </p:sp>
+        <p:spPr/>
+        <p:txBody>
+          <a:bodyPr/>
+          <a:lstStyle/>
+          <a:p>
+            <a:r>
+              <a:rPr lang="en-US" dirty="0"/>
+              <a:t>Used the SQLITE file to connect to flask and create the API</a:t>
+            </a:r>
+          </a:p>
+          <a:p>
+            <a:r>
+              <a:rPr lang="en-US" dirty="0"/>
+              <a:t>Due to the large volume of data, we split the data into smaller groups to keep the API from being overloaded</a:t>
+            </a:r>
+          </a:p>
+        </p:txBody>
+      </p:sp>
+      <p:pic>
+        <p:nvPicPr>
+          <p:cNvPr id="6" name="Content Placeholder 5">
+            <a:extLst>
+              <a:ext uri="{FF2B5EF4-FFF2-40B4-BE49-F238E27FC236}">
+                <a16:creationId xmlns:a16="http://schemas.microsoft.com/office/drawing/2014/main" id="{7F0AEE7A-137A-E8BB-8F88-E9332E2F9298}"/>
+              </a:ext>
+            </a:extLst>
+          </p:cNvPr>
+          <p:cNvPicPr>
+            <a:picLocks noGrp="1" noChangeAspect="1"/>
+          </p:cNvPicPr>
+          <p:nvPr>
+            <p:ph sz="quarter" idx="14"/>
+          </p:nvPr>
+        </p:nvPicPr>
+        <p:blipFill rotWithShape="1">
+          <a:blip r:embed="rId2"/>
+          <a:srcRect b="15997"/>
+          <a:stretch/>
+        </p:blipFill>
+        <p:spPr>
+          <a:xfrm>
+            <a:off x="6588036" y="2214694"/>
+            <a:ext cx="4091738" cy="3424107"/>
+          </a:xfrm>
+          <a:ln w="19050">
+            <a:solidFill>
+              <a:schemeClr val="tx1"/>
+            </a:solidFill>
+          </a:ln>
+        </p:spPr>
+      </p:pic>
     </p:spTree>
     <p:extLst>
       <p:ext uri="{BB962C8B-B14F-4D97-AF65-F5344CB8AC3E}">
@@ -7563,13 +7944,8 @@
           <a:p>
             <a:r>
               <a:rPr lang="en-US" dirty="0"/>
-              <a:t>Html/</a:t>
-            </a:r>
-            <a:r>
-              <a:rPr lang="en-US" dirty="0" err="1"/>
-              <a:t>css</a:t>
-            </a:r>
-            <a:endParaRPr lang="en-US" dirty="0"/>
+              <a:t>Html/CSS</a:t>
+            </a:r>
           </a:p>
         </p:txBody>
       </p:sp>
@@ -7599,10 +7975,79 @@
           <a:bodyPr/>
           <a:lstStyle/>
           <a:p>
-            <a:endParaRPr lang="en-US" dirty="0"/>
-          </a:p>
-        </p:txBody>
-      </p:sp>
+            <a:r>
+              <a:rPr lang="en-US" dirty="0"/>
+              <a:t>HTML Laid out the dashboard, which contains a map, dropdown box, summary data, and charts</a:t>
+            </a:r>
+          </a:p>
+          <a:p>
+            <a:r>
+              <a:rPr lang="en-US" dirty="0"/>
+              <a:t>CSS used for styling and increasing functionality – page adjusts to screen size </a:t>
+            </a:r>
+          </a:p>
+        </p:txBody>
+      </p:sp>
+      <p:pic>
+        <p:nvPicPr>
+          <p:cNvPr id="4" name="Picture 3">
+            <a:extLst>
+              <a:ext uri="{FF2B5EF4-FFF2-40B4-BE49-F238E27FC236}">
+                <a16:creationId xmlns:a16="http://schemas.microsoft.com/office/drawing/2014/main" id="{71A9B34A-D3C2-77B1-5A62-6CD7A73D60F7}"/>
+              </a:ext>
+            </a:extLst>
+          </p:cNvPr>
+          <p:cNvPicPr>
+            <a:picLocks noChangeAspect="1"/>
+          </p:cNvPicPr>
+          <p:nvPr/>
+        </p:nvPicPr>
+        <p:blipFill>
+          <a:blip r:embed="rId2"/>
+          <a:stretch>
+            <a:fillRect/>
+          </a:stretch>
+        </p:blipFill>
+        <p:spPr>
+          <a:xfrm>
+            <a:off x="620416" y="3951513"/>
+            <a:ext cx="6178868" cy="2425825"/>
+          </a:xfrm>
+          <a:prstGeom prst="rect">
+            <a:avLst/>
+          </a:prstGeom>
+        </p:spPr>
+      </p:pic>
+      <p:pic>
+        <p:nvPicPr>
+          <p:cNvPr id="7" name="Picture 6">
+            <a:extLst>
+              <a:ext uri="{FF2B5EF4-FFF2-40B4-BE49-F238E27FC236}">
+                <a16:creationId xmlns:a16="http://schemas.microsoft.com/office/drawing/2014/main" id="{B2559676-5DE9-4CC3-9756-487401FD7E13}"/>
+              </a:ext>
+            </a:extLst>
+          </p:cNvPr>
+          <p:cNvPicPr>
+            <a:picLocks noChangeAspect="1"/>
+          </p:cNvPicPr>
+          <p:nvPr/>
+        </p:nvPicPr>
+        <p:blipFill>
+          <a:blip r:embed="rId3"/>
+          <a:stretch>
+            <a:fillRect/>
+          </a:stretch>
+        </p:blipFill>
+        <p:spPr>
+          <a:xfrm>
+            <a:off x="8265728" y="3771479"/>
+            <a:ext cx="2609984" cy="2343270"/>
+          </a:xfrm>
+          <a:prstGeom prst="rect">
+            <a:avLst/>
+          </a:prstGeom>
+        </p:spPr>
+      </p:pic>
     </p:spTree>
     <p:extLst>
       <p:ext uri="{BB962C8B-B14F-4D97-AF65-F5344CB8AC3E}">
@@ -7655,10 +8100,9 @@
           <a:lstStyle/>
           <a:p>
             <a:r>
-              <a:rPr lang="en-US" dirty="0" err="1"/>
-              <a:t>jAVASCRIPT</a:t>
-            </a:r>
-            <a:endParaRPr lang="en-US" dirty="0"/>
+              <a:rPr lang="en-US" dirty="0"/>
+              <a:t>JAVASCRIPT</a:t>
+            </a:r>
           </a:p>
         </p:txBody>
       </p:sp>
@@ -7688,10 +8132,106 @@
           <a:bodyPr/>
           <a:lstStyle/>
           <a:p>
+            <a:r>
+              <a:rPr lang="en-US" dirty="0"/>
+              <a:t>LEAFLET used to format interactive map with 2 base maps (street map and dark mode) and 3 overlay maps (Total Releases, carcinogens, and federal facilities)</a:t>
+            </a:r>
+          </a:p>
+          <a:p>
+            <a:r>
+              <a:rPr lang="en-US" dirty="0"/>
+              <a:t>Dropdown menu allows user to specify a region to review</a:t>
+            </a:r>
+          </a:p>
+          <a:p>
+            <a:r>
+              <a:rPr lang="en-US" dirty="0"/>
+              <a:t>*</a:t>
+            </a:r>
+            <a:r>
+              <a:rPr lang="en-US" i="1" dirty="0"/>
+              <a:t>new (to us) JAVASCRIPT library</a:t>
+            </a:r>
+            <a:r>
+              <a:rPr lang="en-US" dirty="0"/>
+              <a:t>* Chart.js used to create the charts</a:t>
+            </a:r>
+          </a:p>
+          <a:p>
             <a:endParaRPr lang="en-US" dirty="0"/>
           </a:p>
         </p:txBody>
       </p:sp>
+      <p:pic>
+        <p:nvPicPr>
+          <p:cNvPr id="4" name="Picture 3">
+            <a:extLst>
+              <a:ext uri="{FF2B5EF4-FFF2-40B4-BE49-F238E27FC236}">
+                <a16:creationId xmlns:a16="http://schemas.microsoft.com/office/drawing/2014/main" id="{D2732333-669B-4C62-78C0-AA6CBD840685}"/>
+              </a:ext>
+            </a:extLst>
+          </p:cNvPr>
+          <p:cNvPicPr>
+            <a:picLocks noChangeAspect="1"/>
+          </p:cNvPicPr>
+          <p:nvPr/>
+        </p:nvPicPr>
+        <p:blipFill>
+          <a:blip r:embed="rId2"/>
+          <a:stretch>
+            <a:fillRect/>
+          </a:stretch>
+        </p:blipFill>
+        <p:spPr>
+          <a:xfrm>
+            <a:off x="1407309" y="5325976"/>
+            <a:ext cx="4433849" cy="913507"/>
+          </a:xfrm>
+          <a:prstGeom prst="rect">
+            <a:avLst/>
+          </a:prstGeom>
+          <a:ln w="19050">
+            <a:solidFill>
+              <a:schemeClr val="tx1"/>
+            </a:solidFill>
+          </a:ln>
+        </p:spPr>
+      </p:pic>
+      <p:pic>
+        <p:nvPicPr>
+          <p:cNvPr id="7" name="Picture 6">
+            <a:extLst>
+              <a:ext uri="{FF2B5EF4-FFF2-40B4-BE49-F238E27FC236}">
+                <a16:creationId xmlns:a16="http://schemas.microsoft.com/office/drawing/2014/main" id="{67CEFB40-361D-8731-077B-A56EC074E4E7}"/>
+              </a:ext>
+            </a:extLst>
+          </p:cNvPr>
+          <p:cNvPicPr>
+            <a:picLocks noChangeAspect="1"/>
+          </p:cNvPicPr>
+          <p:nvPr/>
+        </p:nvPicPr>
+        <p:blipFill>
+          <a:blip r:embed="rId3"/>
+          <a:stretch>
+            <a:fillRect/>
+          </a:stretch>
+        </p:blipFill>
+        <p:spPr>
+          <a:xfrm>
+            <a:off x="6962272" y="4553345"/>
+            <a:ext cx="3194214" cy="933498"/>
+          </a:xfrm>
+          <a:prstGeom prst="rect">
+            <a:avLst/>
+          </a:prstGeom>
+          <a:ln w="19050">
+            <a:solidFill>
+              <a:schemeClr val="tx1"/>
+            </a:solidFill>
+          </a:ln>
+        </p:spPr>
+      </p:pic>
     </p:spTree>
     <p:extLst>
       <p:ext uri="{BB962C8B-B14F-4D97-AF65-F5344CB8AC3E}">
@@ -7722,95 +8262,137 @@
           <a:chExt cx="0" cy="0"/>
         </a:xfrm>
       </p:grpSpPr>
-      <p:sp>
-        <p:nvSpPr>
-          <p:cNvPr id="2" name="Title 1">
+      <p:pic>
+        <p:nvPicPr>
+          <p:cNvPr id="10" name="Picture Placeholder 9">
             <a:extLst>
               <a:ext uri="{FF2B5EF4-FFF2-40B4-BE49-F238E27FC236}">
-                <a16:creationId xmlns:a16="http://schemas.microsoft.com/office/drawing/2014/main" id="{0690D310-913E-501E-B576-6213ABB4B549}"/>
+                <a16:creationId xmlns:a16="http://schemas.microsoft.com/office/drawing/2014/main" id="{20242F02-4595-2CDA-FCCC-40EAF3BB9874}"/>
               </a:ext>
             </a:extLst>
           </p:cNvPr>
-          <p:cNvSpPr>
-            <a:spLocks noGrp="1"/>
-          </p:cNvSpPr>
-          <p:nvPr>
-            <p:ph type="title"/>
-          </p:nvPr>
-        </p:nvSpPr>
-        <p:spPr/>
-        <p:txBody>
-          <a:bodyPr/>
-          <a:lstStyle/>
-          <a:p>
-            <a:r>
-              <a:rPr lang="en-US" dirty="0" err="1"/>
-              <a:t>Github</a:t>
-            </a:r>
-            <a:r>
-              <a:rPr lang="en-US" dirty="0"/>
-              <a:t> pages:</a:t>
-            </a:r>
-          </a:p>
-        </p:txBody>
-      </p:sp>
-      <p:sp>
-        <p:nvSpPr>
-          <p:cNvPr id="3" name="Picture Placeholder 2">
+          <p:cNvPicPr>
+            <a:picLocks noGrp="1" noChangeAspect="1"/>
+          </p:cNvPicPr>
+          <p:nvPr>
+            <p:ph type="pic" idx="1"/>
+          </p:nvPr>
+        </p:nvPicPr>
+        <p:blipFill rotWithShape="1">
+          <a:blip r:embed="rId2">
             <a:extLst>
-              <a:ext uri="{FF2B5EF4-FFF2-40B4-BE49-F238E27FC236}">
-                <a16:creationId xmlns:a16="http://schemas.microsoft.com/office/drawing/2014/main" id="{8A2368D8-1F92-C2DA-099B-9F4063590213}"/>
+              <a:ext uri="{28A0092B-C50C-407E-A947-70E740481C1C}">
+                <a14:useLocalDpi xmlns:a14="http://schemas.microsoft.com/office/drawing/2010/main" val="0"/>
               </a:ext>
             </a:extLst>
-          </p:cNvPr>
-          <p:cNvSpPr>
-            <a:spLocks noGrp="1"/>
-          </p:cNvSpPr>
-          <p:nvPr>
-            <p:ph type="pic" idx="1"/>
-          </p:nvPr>
-        </p:nvSpPr>
-        <p:spPr/>
-        <p:txBody>
-          <a:bodyPr/>
-          <a:lstStyle/>
-          <a:p>
-            <a:endParaRPr lang="en-US"/>
-          </a:p>
-        </p:txBody>
-      </p:sp>
-      <p:sp>
-        <p:nvSpPr>
-          <p:cNvPr id="4" name="Text Placeholder 3">
-            <a:extLst>
-              <a:ext uri="{FF2B5EF4-FFF2-40B4-BE49-F238E27FC236}">
-                <a16:creationId xmlns:a16="http://schemas.microsoft.com/office/drawing/2014/main" id="{C90338BD-B4ED-0E5F-AD64-1453E6224DF8}"/>
-              </a:ext>
-            </a:extLst>
-          </p:cNvPr>
-          <p:cNvSpPr>
-            <a:spLocks noGrp="1"/>
-          </p:cNvSpPr>
-          <p:nvPr>
-            <p:ph type="body" sz="half" idx="2"/>
-          </p:nvPr>
-        </p:nvSpPr>
-        <p:spPr/>
-        <p:txBody>
-          <a:bodyPr/>
-          <a:lstStyle/>
-          <a:p>
-            <a:r>
-              <a:rPr lang="en-US" dirty="0"/>
-              <a:t>[ENTER URL HERE]</a:t>
-            </a:r>
-          </a:p>
-        </p:txBody>
-      </p:sp>
+          </a:blip>
+          <a:srcRect l="1948" t="-1238" r="1948" b="1238"/>
+          <a:stretch/>
+        </p:blipFill>
+        <p:spPr>
+          <a:xfrm>
+            <a:off x="1184275" y="698500"/>
+            <a:ext cx="9823450" cy="5172075"/>
+          </a:xfrm>
+          <a:ln>
+            <a:solidFill>
+              <a:schemeClr val="accent2">
+                <a:lumMod val="75000"/>
+              </a:schemeClr>
+            </a:solidFill>
+          </a:ln>
+        </p:spPr>
+      </p:pic>
     </p:spTree>
     <p:extLst>
       <p:ext uri="{BB962C8B-B14F-4D97-AF65-F5344CB8AC3E}">
         <p14:creationId xmlns:p14="http://schemas.microsoft.com/office/powerpoint/2010/main" val="2692922816"/>
+      </p:ext>
+    </p:extLst>
+  </p:cSld>
+  <p:clrMapOvr>
+    <a:masterClrMapping/>
+  </p:clrMapOvr>
+</p:sld>
+</file>
+
+<file path=ppt/slides/slide9.xml><?xml version="1.0" encoding="utf-8"?>
+<p:sld xmlns:a="http://schemas.openxmlformats.org/drawingml/2006/main" xmlns:r="http://schemas.openxmlformats.org/officeDocument/2006/relationships" xmlns:p="http://schemas.openxmlformats.org/presentationml/2006/main">
+  <p:cSld>
+    <p:spTree>
+      <p:nvGrpSpPr>
+        <p:cNvPr id="1" name=""/>
+        <p:cNvGrpSpPr/>
+        <p:nvPr/>
+      </p:nvGrpSpPr>
+      <p:grpSpPr>
+        <a:xfrm>
+          <a:off x="0" y="0"/>
+          <a:ext cx="0" cy="0"/>
+          <a:chOff x="0" y="0"/>
+          <a:chExt cx="0" cy="0"/>
+        </a:xfrm>
+      </p:grpSpPr>
+      <p:sp>
+        <p:nvSpPr>
+          <p:cNvPr id="2" name="Title 1">
+            <a:extLst>
+              <a:ext uri="{FF2B5EF4-FFF2-40B4-BE49-F238E27FC236}">
+                <a16:creationId xmlns:a16="http://schemas.microsoft.com/office/drawing/2014/main" id="{9E7A19AB-B4D1-409D-C846-FB910E2136A9}"/>
+              </a:ext>
+            </a:extLst>
+          </p:cNvPr>
+          <p:cNvSpPr>
+            <a:spLocks noGrp="1"/>
+          </p:cNvSpPr>
+          <p:nvPr>
+            <p:ph type="title"/>
+          </p:nvPr>
+        </p:nvSpPr>
+        <p:spPr/>
+        <p:txBody>
+          <a:bodyPr/>
+          <a:lstStyle/>
+          <a:p>
+            <a:r>
+              <a:rPr lang="en-US" dirty="0"/>
+              <a:t>Thank you for your time!</a:t>
+            </a:r>
+          </a:p>
+        </p:txBody>
+      </p:sp>
+      <p:sp>
+        <p:nvSpPr>
+          <p:cNvPr id="3" name="Text Placeholder 2">
+            <a:extLst>
+              <a:ext uri="{FF2B5EF4-FFF2-40B4-BE49-F238E27FC236}">
+                <a16:creationId xmlns:a16="http://schemas.microsoft.com/office/drawing/2014/main" id="{B722D23C-B22D-B4AA-377A-04198BE16A5F}"/>
+              </a:ext>
+            </a:extLst>
+          </p:cNvPr>
+          <p:cNvSpPr>
+            <a:spLocks noGrp="1"/>
+          </p:cNvSpPr>
+          <p:nvPr>
+            <p:ph type="body" idx="1"/>
+          </p:nvPr>
+        </p:nvSpPr>
+        <p:spPr/>
+        <p:txBody>
+          <a:bodyPr/>
+          <a:lstStyle/>
+          <a:p>
+            <a:r>
+              <a:rPr lang="en-US" dirty="0"/>
+              <a:t>Any Questions?</a:t>
+            </a:r>
+          </a:p>
+        </p:txBody>
+      </p:sp>
+    </p:spTree>
+    <p:extLst>
+      <p:ext uri="{BB962C8B-B14F-4D97-AF65-F5344CB8AC3E}">
+        <p14:creationId xmlns:p14="http://schemas.microsoft.com/office/powerpoint/2010/main" val="1279555931"/>
       </p:ext>
     </p:extLst>
   </p:cSld>
